--- a/thesis/graphics.pptx
+++ b/thesis/graphics.pptx
@@ -3881,7 +3881,7 @@
           <a:lstStyle/>
           <a:p>
             <a:pPr algn="ctr"/>
-            <a:endParaRPr lang="en-US"/>
+            <a:endParaRPr lang="en-US" sz="4000"/>
           </a:p>
         </p:txBody>
       </p:sp>
@@ -3929,7 +3929,7 @@
           <a:lstStyle/>
           <a:p>
             <a:pPr algn="ctr"/>
-            <a:endParaRPr lang="en-US"/>
+            <a:endParaRPr lang="en-US" sz="4000"/>
           </a:p>
         </p:txBody>
       </p:sp>
@@ -4052,8 +4052,8 @@
         </p:nvSpPr>
         <p:spPr>
           <a:xfrm>
-            <a:off x="2854132" y="2299915"/>
-            <a:ext cx="507905" cy="369332"/>
+            <a:off x="2761673" y="1985166"/>
+            <a:ext cx="678775" cy="707886"/>
           </a:xfrm>
           <a:prstGeom prst="rect">
             <a:avLst/>
@@ -4067,14 +4067,14 @@
           <a:lstStyle/>
           <a:p>
             <a:r>
-              <a:rPr lang="en-US" smtClean="0"/>
+              <a:rPr lang="en-US" sz="4000" dirty="0" smtClean="0"/>
               <a:t>q</a:t>
             </a:r>
             <a:r>
-              <a:rPr lang="en-US" baseline="-25000" smtClean="0"/>
+              <a:rPr lang="en-US" sz="4000" baseline="-25000" dirty="0" smtClean="0"/>
               <a:t>1</a:t>
             </a:r>
-            <a:endParaRPr lang="en-US"/>
+            <a:endParaRPr lang="en-US" sz="4000" dirty="0"/>
           </a:p>
         </p:txBody>
       </p:sp>
@@ -4086,8 +4086,8 @@
         </p:nvSpPr>
         <p:spPr>
           <a:xfrm>
-            <a:off x="9864434" y="2299915"/>
-            <a:ext cx="507905" cy="369332"/>
+            <a:off x="9693564" y="1985166"/>
+            <a:ext cx="857697" cy="707886"/>
           </a:xfrm>
           <a:prstGeom prst="rect">
             <a:avLst/>
@@ -4101,14 +4101,14 @@
           <a:lstStyle/>
           <a:p>
             <a:r>
-              <a:rPr lang="en-US" dirty="0" smtClean="0"/>
+              <a:rPr lang="en-US" sz="4000" dirty="0" smtClean="0"/>
               <a:t>q</a:t>
             </a:r>
             <a:r>
-              <a:rPr lang="en-US" baseline="-25000" dirty="0"/>
+              <a:rPr lang="en-US" sz="4000" baseline="-25000" dirty="0"/>
               <a:t>2</a:t>
             </a:r>
-            <a:endParaRPr lang="en-US" dirty="0"/>
+            <a:endParaRPr lang="en-US" sz="4000" dirty="0"/>
           </a:p>
         </p:txBody>
       </p:sp>
@@ -4120,8 +4120,8 @@
         </p:nvSpPr>
         <p:spPr>
           <a:xfrm>
-            <a:off x="6105330" y="2391820"/>
-            <a:ext cx="507905" cy="369332"/>
+            <a:off x="5935885" y="2231152"/>
+            <a:ext cx="761856" cy="707886"/>
           </a:xfrm>
           <a:prstGeom prst="rect">
             <a:avLst/>
@@ -4135,14 +4135,14 @@
           <a:lstStyle/>
           <a:p>
             <a:r>
-              <a:rPr lang="en-US" dirty="0" err="1" smtClean="0"/>
+              <a:rPr lang="en-US" sz="4000" dirty="0" err="1" smtClean="0"/>
               <a:t>q</a:t>
             </a:r>
             <a:r>
-              <a:rPr lang="en-US" baseline="-25000" dirty="0" err="1" smtClean="0"/>
+              <a:rPr lang="en-US" sz="4000" baseline="-25000" dirty="0" err="1" smtClean="0"/>
               <a:t>L</a:t>
             </a:r>
-            <a:endParaRPr lang="en-US" dirty="0"/>
+            <a:endParaRPr lang="en-US" sz="4000" dirty="0"/>
           </a:p>
         </p:txBody>
       </p:sp>
@@ -4154,8 +4154,8 @@
         </p:nvSpPr>
         <p:spPr>
           <a:xfrm>
-            <a:off x="6708026" y="2391820"/>
-            <a:ext cx="507905" cy="369332"/>
+            <a:off x="6696505" y="2220041"/>
+            <a:ext cx="644881" cy="707886"/>
           </a:xfrm>
           <a:prstGeom prst="rect">
             <a:avLst/>
@@ -4169,14 +4169,14 @@
           <a:lstStyle/>
           <a:p>
             <a:r>
-              <a:rPr lang="en-US" dirty="0" err="1" smtClean="0"/>
+              <a:rPr lang="en-US" sz="4000" dirty="0" err="1" smtClean="0"/>
               <a:t>q</a:t>
             </a:r>
             <a:r>
-              <a:rPr lang="en-US" baseline="-25000" dirty="0" err="1"/>
+              <a:rPr lang="en-US" sz="4000" baseline="-25000" dirty="0" err="1"/>
               <a:t>R</a:t>
             </a:r>
-            <a:endParaRPr lang="en-US" dirty="0"/>
+            <a:endParaRPr lang="en-US" sz="4000" dirty="0"/>
           </a:p>
         </p:txBody>
       </p:sp>
